--- a/presentations/grpMeeting_2024-10.pptx
+++ b/presentations/grpMeeting_2024-10.pptx
@@ -10,12 +10,13 @@
     <p:sldId id="258" r:id="rId4"/>
     <p:sldId id="259" r:id="rId5"/>
     <p:sldId id="264" r:id="rId6"/>
-    <p:sldId id="265" r:id="rId7"/>
+    <p:sldId id="270" r:id="rId7"/>
     <p:sldId id="262" r:id="rId8"/>
     <p:sldId id="266" r:id="rId9"/>
     <p:sldId id="267" r:id="rId10"/>
-    <p:sldId id="268" r:id="rId11"/>
-    <p:sldId id="269" r:id="rId12"/>
+    <p:sldId id="265" r:id="rId11"/>
+    <p:sldId id="268" r:id="rId12"/>
+    <p:sldId id="269" r:id="rId13"/>
   </p:sldIdLst>
   <p:sldSz cx="9144000" cy="5143500" type="screen16x9"/>
   <p:notesSz cx="6858000" cy="9144000"/>
@@ -3195,6 +3196,87 @@
           <a:chExt cx="0" cy="0"/>
         </a:xfrm>
       </p:grpSpPr>
+      <p:sp>
+        <p:nvSpPr>
+          <p:cNvPr id="2" name="Title 1"/>
+          <p:cNvSpPr>
+            <a:spLocks noGrp="1"/>
+          </p:cNvSpPr>
+          <p:nvPr>
+            <p:ph type="title"/>
+          </p:nvPr>
+        </p:nvSpPr>
+        <p:spPr/>
+        <p:txBody>
+          <a:bodyPr>
+            <a:normAutofit fontScale="90000"/>
+          </a:bodyPr>
+          <a:lstStyle/>
+          <a:p>
+            <a:pPr marL="0" lvl="0" indent="0">
+              <a:buNone/>
+            </a:pPr>
+            <a:r>
+              <a:t>Example of multiple pitch angle scattering for different energies</a:t>
+            </a:r>
+          </a:p>
+        </p:txBody>
+      </p:sp>
+      <p:pic>
+        <p:nvPicPr>
+          <p:cNvPr id="3" name="Picture 1" descr="../figures/pa_jump_history.png"/>
+          <p:cNvPicPr>
+            <a:picLocks noGrp="1" noChangeAspect="1"/>
+          </p:cNvPicPr>
+          <p:nvPr/>
+        </p:nvPicPr>
+        <p:blipFill>
+          <a:blip r:embed="rId2"/>
+          <a:stretch>
+            <a:fillRect/>
+          </a:stretch>
+        </p:blipFill>
+        <p:spPr bwMode="auto">
+          <a:xfrm>
+            <a:off x="1938124" y="1063229"/>
+            <a:ext cx="5267751" cy="3950813"/>
+          </a:xfrm>
+          <a:prstGeom prst="rect">
+            <a:avLst/>
+          </a:prstGeom>
+          <a:noFill/>
+          <a:ln w="9525">
+            <a:noFill/>
+            <a:headEnd/>
+            <a:tailEnd/>
+          </a:ln>
+        </p:spPr>
+      </p:pic>
+    </p:spTree>
+  </p:cSld>
+  <p:clrMapOvr>
+    <a:masterClrMapping/>
+  </p:clrMapOvr>
+</p:sld>
+</file>
+
+<file path=ppt/slides/slide11.xml><?xml version="1.0" encoding="utf-8"?>
+<p:sld xmlns:a="http://schemas.openxmlformats.org/drawingml/2006/main" xmlns:r="http://schemas.openxmlformats.org/officeDocument/2006/relationships" xmlns:p="http://schemas.openxmlformats.org/presentationml/2006/main">
+  <p:cSld>
+    <p:spTree>
+      <p:nvGrpSpPr>
+        <p:cNvPr id="1" name=""/>
+        <p:cNvGrpSpPr/>
+        <p:nvPr/>
+      </p:nvGrpSpPr>
+      <p:grpSpPr>
+        <a:xfrm>
+          <a:off x="0" y="0"/>
+          <a:ext cx="0" cy="0"/>
+          <a:chOff x="0" y="0"/>
+          <a:chExt cx="0" cy="0"/>
+        </a:xfrm>
+      </p:grpSpPr>
       <p:pic>
         <p:nvPicPr>
           <p:cNvPr id="2" name="Picture 1" descr="../figures/mixing_rate.png"/>
@@ -3269,7 +3351,7 @@
 </p:sld>
 </file>
 
-<file path=ppt/slides/slide11.xml><?xml version="1.0" encoding="utf-8"?>
+<file path=ppt/slides/slide12.xml><?xml version="1.0" encoding="utf-8"?>
 <p:sld xmlns:a="http://schemas.openxmlformats.org/drawingml/2006/main" xmlns:r="http://schemas.openxmlformats.org/officeDocument/2006/relationships" xmlns:p="http://schemas.openxmlformats.org/presentationml/2006/main">
   <p:cSld>
     <p:spTree>
@@ -5030,23 +5112,21 @@
         </p:nvSpPr>
         <p:spPr/>
         <p:txBody>
-          <a:bodyPr>
-            <a:normAutofit fontScale="90000"/>
-          </a:bodyPr>
+          <a:bodyPr/>
           <a:lstStyle/>
           <a:p>
             <a:pPr marL="0" lvl="0" indent="0">
               <a:buNone/>
             </a:pPr>
             <a:r>
-              <a:t>Example of multiple pitch angle scattering for different energies</a:t>
+              <a:t>Examples of transition matrix</a:t>
             </a:r>
           </a:p>
         </p:txBody>
       </p:sp>
       <p:pic>
         <p:nvPicPr>
-          <p:cNvPr id="3" name="Picture 1" descr="../figures/pa_jump_history.png"/>
+          <p:cNvPr id="3" name="Picture 1" descr="../figures/tm/example.png"/>
           <p:cNvPicPr>
             <a:picLocks noGrp="1" noChangeAspect="1"/>
           </p:cNvPicPr>
@@ -5060,8 +5140,8 @@
         </p:blipFill>
         <p:spPr bwMode="auto">
           <a:xfrm>
-            <a:off x="1938124" y="1063229"/>
-            <a:ext cx="5267751" cy="3950813"/>
+            <a:off x="1771374" y="845864"/>
+            <a:ext cx="5601252" cy="3738836"/>
           </a:xfrm>
           <a:prstGeom prst="rect">
             <a:avLst/>
@@ -5074,6 +5154,354 @@
           </a:ln>
         </p:spPr>
       </p:pic>
+      <mc:AlternateContent xmlns:mc="http://schemas.openxmlformats.org/markup-compatibility/2006">
+        <mc:Choice xmlns:a14="http://schemas.microsoft.com/office/drawing/2010/main" Requires="a14">
+          <p:sp>
+            <p:nvSpPr>
+              <p:cNvPr id="5" name="TextBox 4">
+                <a:extLst>
+                  <a:ext uri="{FF2B5EF4-FFF2-40B4-BE49-F238E27FC236}">
+                    <a16:creationId xmlns:a16="http://schemas.microsoft.com/office/drawing/2014/main" id="{653DDD5E-0AEE-F6D9-8320-3AC9B1F5AAB8}"/>
+                  </a:ext>
+                </a:extLst>
+              </p:cNvPr>
+              <p:cNvSpPr txBox="1"/>
+              <p:nvPr/>
+            </p:nvSpPr>
+            <p:spPr>
+              <a:xfrm>
+                <a:off x="1294075" y="4584700"/>
+                <a:ext cx="6555850" cy="506870"/>
+              </a:xfrm>
+              <a:prstGeom prst="rect">
+                <a:avLst/>
+              </a:prstGeom>
+              <a:noFill/>
+            </p:spPr>
+            <p:txBody>
+              <a:bodyPr wrap="square">
+                <a:spAutoFit/>
+              </a:bodyPr>
+              <a:lstStyle/>
+              <a:p>
+                <a:pPr/>
+                <a14:m>
+                  <m:oMathPara xmlns:m="http://schemas.openxmlformats.org/officeDocument/2006/math">
+                    <m:oMathParaPr>
+                      <m:jc m:val="centerGroup"/>
+                    </m:oMathParaPr>
+                    <m:oMath xmlns:m="http://schemas.openxmlformats.org/officeDocument/2006/math">
+                      <m:r>
+                        <a:rPr lang="ar-AE" smtClean="0">
+                          <a:latin typeface="Cambria Math" panose="02040503050406030204" pitchFamily="18" charset="0"/>
+                        </a:rPr>
+                        <m:t>𝐁</m:t>
+                      </m:r>
+                      <m:r>
+                        <a:rPr lang="ar-AE" smtClean="0">
+                          <a:latin typeface="Cambria Math" panose="02040503050406030204" pitchFamily="18" charset="0"/>
+                        </a:rPr>
+                        <m:t>=</m:t>
+                      </m:r>
+                      <m:sSub>
+                        <m:sSubPr>
+                          <m:ctrlPr>
+                            <a:rPr lang="ar-AE" i="1">
+                              <a:latin typeface="Cambria Math" panose="02040503050406030204" pitchFamily="18" charset="0"/>
+                            </a:rPr>
+                          </m:ctrlPr>
+                        </m:sSubPr>
+                        <m:e>
+                          <m:r>
+                            <a:rPr lang="ar-AE">
+                              <a:latin typeface="Cambria Math" panose="02040503050406030204" pitchFamily="18" charset="0"/>
+                            </a:rPr>
+                            <m:t>𝐵</m:t>
+                          </m:r>
+                        </m:e>
+                        <m:sub>
+                          <m:r>
+                            <a:rPr lang="ar-AE">
+                              <a:latin typeface="Cambria Math" panose="02040503050406030204" pitchFamily="18" charset="0"/>
+                            </a:rPr>
+                            <m:t>0</m:t>
+                          </m:r>
+                        </m:sub>
+                      </m:sSub>
+                      <m:d>
+                        <m:dPr>
+                          <m:ctrlPr>
+                            <a:rPr lang="ar-AE" i="1">
+                              <a:latin typeface="Cambria Math" panose="02040503050406030204" pitchFamily="18" charset="0"/>
+                            </a:rPr>
+                          </m:ctrlPr>
+                        </m:dPr>
+                        <m:e>
+                          <m:r>
+                            <m:rPr>
+                              <m:sty m:val="p"/>
+                            </m:rPr>
+                            <a:rPr lang="en-US">
+                              <a:latin typeface="Cambria Math" panose="02040503050406030204" pitchFamily="18" charset="0"/>
+                            </a:rPr>
+                            <m:t>cos</m:t>
+                          </m:r>
+                          <m:r>
+                            <a:rPr lang="en-US">
+                              <a:latin typeface="Cambria Math" panose="02040503050406030204" pitchFamily="18" charset="0"/>
+                            </a:rPr>
+                            <m:t>𝜃</m:t>
+                          </m:r>
+                          <m:r>
+                            <a:rPr lang="en-US">
+                              <a:latin typeface="Cambria Math" panose="02040503050406030204" pitchFamily="18" charset="0"/>
+                            </a:rPr>
+                            <m:t> </m:t>
+                          </m:r>
+                          <m:sSub>
+                            <m:sSubPr>
+                              <m:ctrlPr>
+                                <a:rPr lang="ar-AE" i="1">
+                                  <a:latin typeface="Cambria Math" panose="02040503050406030204" pitchFamily="18" charset="0"/>
+                                </a:rPr>
+                              </m:ctrlPr>
+                            </m:sSubPr>
+                            <m:e>
+                              <m:r>
+                                <a:rPr lang="ar-AE">
+                                  <a:latin typeface="Cambria Math" panose="02040503050406030204" pitchFamily="18" charset="0"/>
+                                </a:rPr>
+                                <m:t>𝑒</m:t>
+                              </m:r>
+                            </m:e>
+                            <m:sub>
+                              <m:r>
+                                <a:rPr lang="ar-AE">
+                                  <a:latin typeface="Cambria Math" panose="02040503050406030204" pitchFamily="18" charset="0"/>
+                                </a:rPr>
+                                <m:t>𝑧</m:t>
+                              </m:r>
+                            </m:sub>
+                          </m:sSub>
+                          <m:r>
+                            <a:rPr lang="ar-AE">
+                              <a:latin typeface="Cambria Math" panose="02040503050406030204" pitchFamily="18" charset="0"/>
+                            </a:rPr>
+                            <m:t>+</m:t>
+                          </m:r>
+                          <m:r>
+                            <m:rPr>
+                              <m:sty m:val="p"/>
+                            </m:rPr>
+                            <a:rPr lang="en-US">
+                              <a:latin typeface="Cambria Math" panose="02040503050406030204" pitchFamily="18" charset="0"/>
+                            </a:rPr>
+                            <m:t>sin</m:t>
+                          </m:r>
+                          <m:r>
+                            <a:rPr lang="en-US">
+                              <a:latin typeface="Cambria Math" panose="02040503050406030204" pitchFamily="18" charset="0"/>
+                            </a:rPr>
+                            <m:t>𝜃</m:t>
+                          </m:r>
+                          <m:d>
+                            <m:dPr>
+                              <m:ctrlPr>
+                                <a:rPr lang="ar-AE" i="1">
+                                  <a:latin typeface="Cambria Math" panose="02040503050406030204" pitchFamily="18" charset="0"/>
+                                </a:rPr>
+                              </m:ctrlPr>
+                            </m:dPr>
+                            <m:e>
+                              <m:r>
+                                <m:rPr>
+                                  <m:sty m:val="p"/>
+                                </m:rPr>
+                                <a:rPr lang="en-US">
+                                  <a:latin typeface="Cambria Math" panose="02040503050406030204" pitchFamily="18" charset="0"/>
+                                </a:rPr>
+                                <m:t>sin</m:t>
+                              </m:r>
+                              <m:r>
+                                <a:rPr lang="en-US">
+                                  <a:latin typeface="Cambria Math" panose="02040503050406030204" pitchFamily="18" charset="0"/>
+                                </a:rPr>
+                                <m:t>𝜑</m:t>
+                              </m:r>
+                              <m:d>
+                                <m:dPr>
+                                  <m:ctrlPr>
+                                    <a:rPr lang="ar-AE" i="1">
+                                      <a:latin typeface="Cambria Math" panose="02040503050406030204" pitchFamily="18" charset="0"/>
+                                    </a:rPr>
+                                  </m:ctrlPr>
+                                </m:dPr>
+                                <m:e>
+                                  <m:r>
+                                    <a:rPr lang="ar-AE">
+                                      <a:latin typeface="Cambria Math" panose="02040503050406030204" pitchFamily="18" charset="0"/>
+                                    </a:rPr>
+                                    <m:t>𝑧</m:t>
+                                  </m:r>
+                                </m:e>
+                              </m:d>
+                              <m:r>
+                                <a:rPr lang="ar-AE">
+                                  <a:latin typeface="Cambria Math" panose="02040503050406030204" pitchFamily="18" charset="0"/>
+                                </a:rPr>
+                                <m:t> </m:t>
+                              </m:r>
+                              <m:sSub>
+                                <m:sSubPr>
+                                  <m:ctrlPr>
+                                    <a:rPr lang="ar-AE" i="1">
+                                      <a:latin typeface="Cambria Math" panose="02040503050406030204" pitchFamily="18" charset="0"/>
+                                    </a:rPr>
+                                  </m:ctrlPr>
+                                </m:sSubPr>
+                                <m:e>
+                                  <m:r>
+                                    <a:rPr lang="ar-AE">
+                                      <a:latin typeface="Cambria Math" panose="02040503050406030204" pitchFamily="18" charset="0"/>
+                                    </a:rPr>
+                                    <m:t>𝑒</m:t>
+                                  </m:r>
+                                </m:e>
+                                <m:sub>
+                                  <m:r>
+                                    <a:rPr lang="ar-AE">
+                                      <a:latin typeface="Cambria Math" panose="02040503050406030204" pitchFamily="18" charset="0"/>
+                                    </a:rPr>
+                                    <m:t>𝑧</m:t>
+                                  </m:r>
+                                </m:sub>
+                              </m:sSub>
+                              <m:r>
+                                <a:rPr lang="ar-AE">
+                                  <a:latin typeface="Cambria Math" panose="02040503050406030204" pitchFamily="18" charset="0"/>
+                                </a:rPr>
+                                <m:t>+</m:t>
+                              </m:r>
+                              <m:r>
+                                <m:rPr>
+                                  <m:sty m:val="p"/>
+                                </m:rPr>
+                                <a:rPr lang="en-US">
+                                  <a:latin typeface="Cambria Math" panose="02040503050406030204" pitchFamily="18" charset="0"/>
+                                </a:rPr>
+                                <m:t>cos</m:t>
+                              </m:r>
+                              <m:r>
+                                <a:rPr lang="en-US">
+                                  <a:latin typeface="Cambria Math" panose="02040503050406030204" pitchFamily="18" charset="0"/>
+                                </a:rPr>
+                                <m:t>𝜑</m:t>
+                              </m:r>
+                              <m:d>
+                                <m:dPr>
+                                  <m:ctrlPr>
+                                    <a:rPr lang="ar-AE" i="1">
+                                      <a:latin typeface="Cambria Math" panose="02040503050406030204" pitchFamily="18" charset="0"/>
+                                    </a:rPr>
+                                  </m:ctrlPr>
+                                </m:dPr>
+                                <m:e>
+                                  <m:r>
+                                    <a:rPr lang="ar-AE">
+                                      <a:latin typeface="Cambria Math" panose="02040503050406030204" pitchFamily="18" charset="0"/>
+                                    </a:rPr>
+                                    <m:t>𝑧</m:t>
+                                  </m:r>
+                                </m:e>
+                              </m:d>
+                              <m:r>
+                                <a:rPr lang="ar-AE">
+                                  <a:latin typeface="Cambria Math" panose="02040503050406030204" pitchFamily="18" charset="0"/>
+                                </a:rPr>
+                                <m:t> </m:t>
+                              </m:r>
+                              <m:sSub>
+                                <m:sSubPr>
+                                  <m:ctrlPr>
+                                    <a:rPr lang="ar-AE" i="1">
+                                      <a:latin typeface="Cambria Math" panose="02040503050406030204" pitchFamily="18" charset="0"/>
+                                    </a:rPr>
+                                  </m:ctrlPr>
+                                </m:sSubPr>
+                                <m:e>
+                                  <m:r>
+                                    <a:rPr lang="ar-AE">
+                                      <a:latin typeface="Cambria Math" panose="02040503050406030204" pitchFamily="18" charset="0"/>
+                                    </a:rPr>
+                                    <m:t>𝑒</m:t>
+                                  </m:r>
+                                </m:e>
+                                <m:sub>
+                                  <m:r>
+                                    <a:rPr lang="ar-AE">
+                                      <a:latin typeface="Cambria Math" panose="02040503050406030204" pitchFamily="18" charset="0"/>
+                                    </a:rPr>
+                                    <m:t>𝑦</m:t>
+                                  </m:r>
+                                </m:sub>
+                              </m:sSub>
+                            </m:e>
+                          </m:d>
+                        </m:e>
+                      </m:d>
+                    </m:oMath>
+                  </m:oMathPara>
+                </a14:m>
+                <a:endParaRPr lang="en-US" dirty="0"/>
+              </a:p>
+            </p:txBody>
+          </p:sp>
+        </mc:Choice>
+        <mc:Fallback>
+          <p:sp>
+            <p:nvSpPr>
+              <p:cNvPr id="5" name="TextBox 4">
+                <a:extLst>
+                  <a:ext uri="{FF2B5EF4-FFF2-40B4-BE49-F238E27FC236}">
+                    <a16:creationId xmlns:a16="http://schemas.microsoft.com/office/drawing/2014/main" id="{653DDD5E-0AEE-F6D9-8320-3AC9B1F5AAB8}"/>
+                  </a:ext>
+                </a:extLst>
+              </p:cNvPr>
+              <p:cNvSpPr txBox="1">
+                <a:spLocks noRot="1" noChangeAspect="1" noMove="1" noResize="1" noEditPoints="1" noAdjustHandles="1" noChangeArrowheads="1" noChangeShapeType="1" noTextEdit="1"/>
+              </p:cNvSpPr>
+              <p:nvPr/>
+            </p:nvSpPr>
+            <p:spPr>
+              <a:xfrm>
+                <a:off x="1294075" y="4584700"/>
+                <a:ext cx="6555850" cy="506870"/>
+              </a:xfrm>
+              <a:prstGeom prst="rect">
+                <a:avLst/>
+              </a:prstGeom>
+              <a:blipFill>
+                <a:blip r:embed="rId3"/>
+                <a:stretch>
+                  <a:fillRect/>
+                </a:stretch>
+              </a:blipFill>
+            </p:spPr>
+            <p:txBody>
+              <a:bodyPr/>
+              <a:lstStyle/>
+              <a:p>
+                <a:r>
+                  <a:rPr lang="en-US">
+                    <a:noFill/>
+                  </a:rPr>
+                  <a:t> </a:t>
+                </a:r>
+              </a:p>
+            </p:txBody>
+          </p:sp>
+        </mc:Fallback>
+      </mc:AlternateContent>
     </p:spTree>
   </p:cSld>
   <p:clrMapOvr>
